--- a/Edge Scheme notes/stencil.pptx
+++ b/Edge Scheme notes/stencil.pptx
@@ -4,6 +4,9 @@
   <p:sldMasterIdLst>
     <p:sldMasterId id="2147483660" r:id="rId1"/>
   </p:sldMasterIdLst>
+  <p:notesMasterIdLst>
+    <p:notesMasterId r:id="rId3"/>
+  </p:notesMasterIdLst>
   <p:sldIdLst>
     <p:sldId id="257" r:id="rId2"/>
   </p:sldIdLst>
@@ -123,6 +126,439 @@
 </p:presentation>
 </file>
 
+<file path=ppt/notesMasters/notesMaster1.xml><?xml version="1.0" encoding="utf-8"?>
+<p:notesMaster xmlns:a="http://schemas.openxmlformats.org/drawingml/2006/main" xmlns:r="http://schemas.openxmlformats.org/officeDocument/2006/relationships" xmlns:p="http://schemas.openxmlformats.org/presentationml/2006/main">
+  <p:cSld>
+    <p:bg>
+      <p:bgRef idx="1001">
+        <a:schemeClr val="bg1"/>
+      </p:bgRef>
+    </p:bg>
+    <p:spTree>
+      <p:nvGrpSpPr>
+        <p:cNvPr id="1" name=""/>
+        <p:cNvGrpSpPr/>
+        <p:nvPr/>
+      </p:nvGrpSpPr>
+      <p:grpSpPr>
+        <a:xfrm>
+          <a:off x="0" y="0"/>
+          <a:ext cx="0" cy="0"/>
+          <a:chOff x="0" y="0"/>
+          <a:chExt cx="0" cy="0"/>
+        </a:xfrm>
+      </p:grpSpPr>
+      <p:sp>
+        <p:nvSpPr>
+          <p:cNvPr id="2" name="页眉占位符 1"/>
+          <p:cNvSpPr>
+            <a:spLocks noGrp="1"/>
+          </p:cNvSpPr>
+          <p:nvPr>
+            <p:ph type="hdr" sz="quarter"/>
+          </p:nvPr>
+        </p:nvSpPr>
+        <p:spPr>
+          <a:xfrm>
+            <a:off x="0" y="0"/>
+            <a:ext cx="2971800" cy="458788"/>
+          </a:xfrm>
+          <a:prstGeom prst="rect">
+            <a:avLst/>
+          </a:prstGeom>
+        </p:spPr>
+        <p:txBody>
+          <a:bodyPr vert="horz" lIns="91440" tIns="45720" rIns="91440" bIns="45720" rtlCol="0"/>
+          <a:lstStyle>
+            <a:lvl1pPr algn="l">
+              <a:defRPr sz="1200"/>
+            </a:lvl1pPr>
+          </a:lstStyle>
+          <a:p>
+            <a:endParaRPr lang="zh-CN" altLang="en-US"/>
+          </a:p>
+        </p:txBody>
+      </p:sp>
+      <p:sp>
+        <p:nvSpPr>
+          <p:cNvPr id="3" name="日期占位符 2"/>
+          <p:cNvSpPr>
+            <a:spLocks noGrp="1"/>
+          </p:cNvSpPr>
+          <p:nvPr>
+            <p:ph type="dt" idx="1"/>
+          </p:nvPr>
+        </p:nvSpPr>
+        <p:spPr>
+          <a:xfrm>
+            <a:off x="3884613" y="0"/>
+            <a:ext cx="2971800" cy="458788"/>
+          </a:xfrm>
+          <a:prstGeom prst="rect">
+            <a:avLst/>
+          </a:prstGeom>
+        </p:spPr>
+        <p:txBody>
+          <a:bodyPr vert="horz" lIns="91440" tIns="45720" rIns="91440" bIns="45720" rtlCol="0"/>
+          <a:lstStyle>
+            <a:lvl1pPr algn="r">
+              <a:defRPr sz="1200"/>
+            </a:lvl1pPr>
+          </a:lstStyle>
+          <a:p>
+            <a:fld id="{C668D53E-F159-4671-830A-D0072AD20DF6}" type="datetimeFigureOut">
+              <a:rPr lang="zh-CN" altLang="en-US" smtClean="0"/>
+              <a:t>2022/5/11</a:t>
+            </a:fld>
+            <a:endParaRPr lang="zh-CN" altLang="en-US"/>
+          </a:p>
+        </p:txBody>
+      </p:sp>
+      <p:sp>
+        <p:nvSpPr>
+          <p:cNvPr id="4" name="幻灯片图像占位符 3"/>
+          <p:cNvSpPr>
+            <a:spLocks noGrp="1" noRot="1" noChangeAspect="1"/>
+          </p:cNvSpPr>
+          <p:nvPr>
+            <p:ph type="sldImg" idx="2"/>
+          </p:nvPr>
+        </p:nvSpPr>
+        <p:spPr>
+          <a:xfrm>
+            <a:off x="1371600" y="1143000"/>
+            <a:ext cx="4114800" cy="3086100"/>
+          </a:xfrm>
+          <a:prstGeom prst="rect">
+            <a:avLst/>
+          </a:prstGeom>
+          <a:noFill/>
+          <a:ln w="12700">
+            <a:solidFill>
+              <a:prstClr val="black"/>
+            </a:solidFill>
+          </a:ln>
+        </p:spPr>
+        <p:txBody>
+          <a:bodyPr vert="horz" lIns="91440" tIns="45720" rIns="91440" bIns="45720" rtlCol="0" anchor="ctr"/>
+          <a:lstStyle/>
+          <a:p>
+            <a:endParaRPr lang="zh-CN" altLang="en-US"/>
+          </a:p>
+        </p:txBody>
+      </p:sp>
+      <p:sp>
+        <p:nvSpPr>
+          <p:cNvPr id="5" name="备注占位符 4"/>
+          <p:cNvSpPr>
+            <a:spLocks noGrp="1"/>
+          </p:cNvSpPr>
+          <p:nvPr>
+            <p:ph type="body" sz="quarter" idx="3"/>
+          </p:nvPr>
+        </p:nvSpPr>
+        <p:spPr>
+          <a:xfrm>
+            <a:off x="685800" y="4400550"/>
+            <a:ext cx="5486400" cy="3600450"/>
+          </a:xfrm>
+          <a:prstGeom prst="rect">
+            <a:avLst/>
+          </a:prstGeom>
+        </p:spPr>
+        <p:txBody>
+          <a:bodyPr vert="horz" lIns="91440" tIns="45720" rIns="91440" bIns="45720" rtlCol="0"/>
+          <a:lstStyle/>
+          <a:p>
+            <a:pPr lvl="0"/>
+            <a:r>
+              <a:rPr lang="zh-CN" altLang="en-US"/>
+              <a:t>单击此处编辑母版文本样式</a:t>
+            </a:r>
+          </a:p>
+          <a:p>
+            <a:pPr lvl="1"/>
+            <a:r>
+              <a:rPr lang="zh-CN" altLang="en-US"/>
+              <a:t>二级</a:t>
+            </a:r>
+          </a:p>
+          <a:p>
+            <a:pPr lvl="2"/>
+            <a:r>
+              <a:rPr lang="zh-CN" altLang="en-US"/>
+              <a:t>三级</a:t>
+            </a:r>
+          </a:p>
+          <a:p>
+            <a:pPr lvl="3"/>
+            <a:r>
+              <a:rPr lang="zh-CN" altLang="en-US"/>
+              <a:t>四级</a:t>
+            </a:r>
+          </a:p>
+          <a:p>
+            <a:pPr lvl="4"/>
+            <a:r>
+              <a:rPr lang="zh-CN" altLang="en-US"/>
+              <a:t>五级</a:t>
+            </a:r>
+          </a:p>
+        </p:txBody>
+      </p:sp>
+      <p:sp>
+        <p:nvSpPr>
+          <p:cNvPr id="6" name="页脚占位符 5"/>
+          <p:cNvSpPr>
+            <a:spLocks noGrp="1"/>
+          </p:cNvSpPr>
+          <p:nvPr>
+            <p:ph type="ftr" sz="quarter" idx="4"/>
+          </p:nvPr>
+        </p:nvSpPr>
+        <p:spPr>
+          <a:xfrm>
+            <a:off x="0" y="8685213"/>
+            <a:ext cx="2971800" cy="458787"/>
+          </a:xfrm>
+          <a:prstGeom prst="rect">
+            <a:avLst/>
+          </a:prstGeom>
+        </p:spPr>
+        <p:txBody>
+          <a:bodyPr vert="horz" lIns="91440" tIns="45720" rIns="91440" bIns="45720" rtlCol="0" anchor="b"/>
+          <a:lstStyle>
+            <a:lvl1pPr algn="l">
+              <a:defRPr sz="1200"/>
+            </a:lvl1pPr>
+          </a:lstStyle>
+          <a:p>
+            <a:endParaRPr lang="zh-CN" altLang="en-US"/>
+          </a:p>
+        </p:txBody>
+      </p:sp>
+      <p:sp>
+        <p:nvSpPr>
+          <p:cNvPr id="7" name="灯片编号占位符 6"/>
+          <p:cNvSpPr>
+            <a:spLocks noGrp="1"/>
+          </p:cNvSpPr>
+          <p:nvPr>
+            <p:ph type="sldNum" sz="quarter" idx="5"/>
+          </p:nvPr>
+        </p:nvSpPr>
+        <p:spPr>
+          <a:xfrm>
+            <a:off x="3884613" y="8685213"/>
+            <a:ext cx="2971800" cy="458787"/>
+          </a:xfrm>
+          <a:prstGeom prst="rect">
+            <a:avLst/>
+          </a:prstGeom>
+        </p:spPr>
+        <p:txBody>
+          <a:bodyPr vert="horz" lIns="91440" tIns="45720" rIns="91440" bIns="45720" rtlCol="0" anchor="b"/>
+          <a:lstStyle>
+            <a:lvl1pPr algn="r">
+              <a:defRPr sz="1200"/>
+            </a:lvl1pPr>
+          </a:lstStyle>
+          <a:p>
+            <a:fld id="{D268B068-63F9-41AE-B935-989E538A229E}" type="slidenum">
+              <a:rPr lang="zh-CN" altLang="en-US" smtClean="0"/>
+              <a:t>‹#›</a:t>
+            </a:fld>
+            <a:endParaRPr lang="zh-CN" altLang="en-US"/>
+          </a:p>
+        </p:txBody>
+      </p:sp>
+    </p:spTree>
+    <p:extLst>
+      <p:ext uri="{BB962C8B-B14F-4D97-AF65-F5344CB8AC3E}">
+        <p14:creationId xmlns:p14="http://schemas.microsoft.com/office/powerpoint/2010/main" val="1147131324"/>
+      </p:ext>
+    </p:extLst>
+  </p:cSld>
+  <p:clrMap bg1="lt1" tx1="dk1" bg2="lt2" tx2="dk2" accent1="accent1" accent2="accent2" accent3="accent3" accent4="accent4" accent5="accent5" accent6="accent6" hlink="hlink" folHlink="folHlink"/>
+  <p:notesStyle>
+    <a:lvl1pPr marL="0" algn="l" defTabSz="914400" rtl="0" eaLnBrk="1" latinLnBrk="0" hangingPunct="1">
+      <a:defRPr sz="1200" kern="1200">
+        <a:solidFill>
+          <a:schemeClr val="tx1"/>
+        </a:solidFill>
+        <a:latin typeface="+mn-lt"/>
+        <a:ea typeface="+mn-ea"/>
+        <a:cs typeface="+mn-cs"/>
+      </a:defRPr>
+    </a:lvl1pPr>
+    <a:lvl2pPr marL="457200" algn="l" defTabSz="914400" rtl="0" eaLnBrk="1" latinLnBrk="0" hangingPunct="1">
+      <a:defRPr sz="1200" kern="1200">
+        <a:solidFill>
+          <a:schemeClr val="tx1"/>
+        </a:solidFill>
+        <a:latin typeface="+mn-lt"/>
+        <a:ea typeface="+mn-ea"/>
+        <a:cs typeface="+mn-cs"/>
+      </a:defRPr>
+    </a:lvl2pPr>
+    <a:lvl3pPr marL="914400" algn="l" defTabSz="914400" rtl="0" eaLnBrk="1" latinLnBrk="0" hangingPunct="1">
+      <a:defRPr sz="1200" kern="1200">
+        <a:solidFill>
+          <a:schemeClr val="tx1"/>
+        </a:solidFill>
+        <a:latin typeface="+mn-lt"/>
+        <a:ea typeface="+mn-ea"/>
+        <a:cs typeface="+mn-cs"/>
+      </a:defRPr>
+    </a:lvl3pPr>
+    <a:lvl4pPr marL="1371600" algn="l" defTabSz="914400" rtl="0" eaLnBrk="1" latinLnBrk="0" hangingPunct="1">
+      <a:defRPr sz="1200" kern="1200">
+        <a:solidFill>
+          <a:schemeClr val="tx1"/>
+        </a:solidFill>
+        <a:latin typeface="+mn-lt"/>
+        <a:ea typeface="+mn-ea"/>
+        <a:cs typeface="+mn-cs"/>
+      </a:defRPr>
+    </a:lvl4pPr>
+    <a:lvl5pPr marL="1828800" algn="l" defTabSz="914400" rtl="0" eaLnBrk="1" latinLnBrk="0" hangingPunct="1">
+      <a:defRPr sz="1200" kern="1200">
+        <a:solidFill>
+          <a:schemeClr val="tx1"/>
+        </a:solidFill>
+        <a:latin typeface="+mn-lt"/>
+        <a:ea typeface="+mn-ea"/>
+        <a:cs typeface="+mn-cs"/>
+      </a:defRPr>
+    </a:lvl5pPr>
+    <a:lvl6pPr marL="2286000" algn="l" defTabSz="914400" rtl="0" eaLnBrk="1" latinLnBrk="0" hangingPunct="1">
+      <a:defRPr sz="1200" kern="1200">
+        <a:solidFill>
+          <a:schemeClr val="tx1"/>
+        </a:solidFill>
+        <a:latin typeface="+mn-lt"/>
+        <a:ea typeface="+mn-ea"/>
+        <a:cs typeface="+mn-cs"/>
+      </a:defRPr>
+    </a:lvl6pPr>
+    <a:lvl7pPr marL="2743200" algn="l" defTabSz="914400" rtl="0" eaLnBrk="1" latinLnBrk="0" hangingPunct="1">
+      <a:defRPr sz="1200" kern="1200">
+        <a:solidFill>
+          <a:schemeClr val="tx1"/>
+        </a:solidFill>
+        <a:latin typeface="+mn-lt"/>
+        <a:ea typeface="+mn-ea"/>
+        <a:cs typeface="+mn-cs"/>
+      </a:defRPr>
+    </a:lvl7pPr>
+    <a:lvl8pPr marL="3200400" algn="l" defTabSz="914400" rtl="0" eaLnBrk="1" latinLnBrk="0" hangingPunct="1">
+      <a:defRPr sz="1200" kern="1200">
+        <a:solidFill>
+          <a:schemeClr val="tx1"/>
+        </a:solidFill>
+        <a:latin typeface="+mn-lt"/>
+        <a:ea typeface="+mn-ea"/>
+        <a:cs typeface="+mn-cs"/>
+      </a:defRPr>
+    </a:lvl8pPr>
+    <a:lvl9pPr marL="3657600" algn="l" defTabSz="914400" rtl="0" eaLnBrk="1" latinLnBrk="0" hangingPunct="1">
+      <a:defRPr sz="1200" kern="1200">
+        <a:solidFill>
+          <a:schemeClr val="tx1"/>
+        </a:solidFill>
+        <a:latin typeface="+mn-lt"/>
+        <a:ea typeface="+mn-ea"/>
+        <a:cs typeface="+mn-cs"/>
+      </a:defRPr>
+    </a:lvl9pPr>
+  </p:notesStyle>
+</p:notesMaster>
+</file>
+
+<file path=ppt/notesSlides/notesSlide1.xml><?xml version="1.0" encoding="utf-8"?>
+<p:notes xmlns:a="http://schemas.openxmlformats.org/drawingml/2006/main" xmlns:r="http://schemas.openxmlformats.org/officeDocument/2006/relationships" xmlns:p="http://schemas.openxmlformats.org/presentationml/2006/main">
+  <p:cSld>
+    <p:spTree>
+      <p:nvGrpSpPr>
+        <p:cNvPr id="1" name=""/>
+        <p:cNvGrpSpPr/>
+        <p:nvPr/>
+      </p:nvGrpSpPr>
+      <p:grpSpPr>
+        <a:xfrm>
+          <a:off x="0" y="0"/>
+          <a:ext cx="0" cy="0"/>
+          <a:chOff x="0" y="0"/>
+          <a:chExt cx="0" cy="0"/>
+        </a:xfrm>
+      </p:grpSpPr>
+      <p:sp>
+        <p:nvSpPr>
+          <p:cNvPr id="2" name="幻灯片图像占位符 1"/>
+          <p:cNvSpPr>
+            <a:spLocks noGrp="1" noRot="1" noChangeAspect="1"/>
+          </p:cNvSpPr>
+          <p:nvPr>
+            <p:ph type="sldImg"/>
+          </p:nvPr>
+        </p:nvSpPr>
+        <p:spPr/>
+      </p:sp>
+      <p:sp>
+        <p:nvSpPr>
+          <p:cNvPr id="3" name="备注占位符 2"/>
+          <p:cNvSpPr>
+            <a:spLocks noGrp="1"/>
+          </p:cNvSpPr>
+          <p:nvPr>
+            <p:ph type="body" idx="1"/>
+          </p:nvPr>
+        </p:nvSpPr>
+        <p:spPr/>
+        <p:txBody>
+          <a:bodyPr/>
+          <a:lstStyle/>
+          <a:p>
+            <a:endParaRPr lang="zh-CN" altLang="en-US" dirty="0"/>
+          </a:p>
+        </p:txBody>
+      </p:sp>
+      <p:sp>
+        <p:nvSpPr>
+          <p:cNvPr id="4" name="灯片编号占位符 3"/>
+          <p:cNvSpPr>
+            <a:spLocks noGrp="1"/>
+          </p:cNvSpPr>
+          <p:nvPr>
+            <p:ph type="sldNum" sz="quarter" idx="5"/>
+          </p:nvPr>
+        </p:nvSpPr>
+        <p:spPr/>
+        <p:txBody>
+          <a:bodyPr/>
+          <a:lstStyle/>
+          <a:p>
+            <a:fld id="{D268B068-63F9-41AE-B935-989E538A229E}" type="slidenum">
+              <a:rPr lang="zh-CN" altLang="en-US" smtClean="0"/>
+              <a:t>1</a:t>
+            </a:fld>
+            <a:endParaRPr lang="zh-CN" altLang="en-US"/>
+          </a:p>
+        </p:txBody>
+      </p:sp>
+    </p:spTree>
+    <p:extLst>
+      <p:ext uri="{BB962C8B-B14F-4D97-AF65-F5344CB8AC3E}">
+        <p14:creationId xmlns:p14="http://schemas.microsoft.com/office/powerpoint/2010/main" val="3619733559"/>
+      </p:ext>
+    </p:extLst>
+  </p:cSld>
+  <p:clrMapOvr>
+    <a:masterClrMapping/>
+  </p:clrMapOvr>
+</p:notes>
+</file>
+
 <file path=ppt/slideLayouts/slideLayout1.xml><?xml version="1.0" encoding="utf-8"?>
 <p:sldLayout xmlns:a="http://schemas.openxmlformats.org/drawingml/2006/main" xmlns:r="http://schemas.openxmlformats.org/officeDocument/2006/relationships" xmlns:p="http://schemas.openxmlformats.org/presentationml/2006/main" type="title" preserve="1">
   <p:cSld name="标题幻灯片">
@@ -254,7 +690,7 @@
           <a:p>
             <a:fld id="{D42AAF01-6606-4CB1-80DF-0B330CD29B1F}" type="datetimeFigureOut">
               <a:rPr lang="zh-CN" altLang="en-US" smtClean="0"/>
-              <a:t>2022/1/4</a:t>
+              <a:t>2022/5/11</a:t>
             </a:fld>
             <a:endParaRPr lang="zh-CN" altLang="en-US"/>
           </a:p>
@@ -424,7 +860,7 @@
           <a:p>
             <a:fld id="{D42AAF01-6606-4CB1-80DF-0B330CD29B1F}" type="datetimeFigureOut">
               <a:rPr lang="zh-CN" altLang="en-US" smtClean="0"/>
-              <a:t>2022/1/4</a:t>
+              <a:t>2022/5/11</a:t>
             </a:fld>
             <a:endParaRPr lang="zh-CN" altLang="en-US"/>
           </a:p>
@@ -604,7 +1040,7 @@
           <a:p>
             <a:fld id="{D42AAF01-6606-4CB1-80DF-0B330CD29B1F}" type="datetimeFigureOut">
               <a:rPr lang="zh-CN" altLang="en-US" smtClean="0"/>
-              <a:t>2022/1/4</a:t>
+              <a:t>2022/5/11</a:t>
             </a:fld>
             <a:endParaRPr lang="zh-CN" altLang="en-US"/>
           </a:p>
@@ -774,7 +1210,7 @@
           <a:p>
             <a:fld id="{D42AAF01-6606-4CB1-80DF-0B330CD29B1F}" type="datetimeFigureOut">
               <a:rPr lang="zh-CN" altLang="en-US" smtClean="0"/>
-              <a:t>2022/1/4</a:t>
+              <a:t>2022/5/11</a:t>
             </a:fld>
             <a:endParaRPr lang="zh-CN" altLang="en-US"/>
           </a:p>
@@ -1018,7 +1454,7 @@
           <a:p>
             <a:fld id="{D42AAF01-6606-4CB1-80DF-0B330CD29B1F}" type="datetimeFigureOut">
               <a:rPr lang="zh-CN" altLang="en-US" smtClean="0"/>
-              <a:t>2022/1/4</a:t>
+              <a:t>2022/5/11</a:t>
             </a:fld>
             <a:endParaRPr lang="zh-CN" altLang="en-US"/>
           </a:p>
@@ -1250,7 +1686,7 @@
           <a:p>
             <a:fld id="{D42AAF01-6606-4CB1-80DF-0B330CD29B1F}" type="datetimeFigureOut">
               <a:rPr lang="zh-CN" altLang="en-US" smtClean="0"/>
-              <a:t>2022/1/4</a:t>
+              <a:t>2022/5/11</a:t>
             </a:fld>
             <a:endParaRPr lang="zh-CN" altLang="en-US"/>
           </a:p>
@@ -1617,7 +2053,7 @@
           <a:p>
             <a:fld id="{D42AAF01-6606-4CB1-80DF-0B330CD29B1F}" type="datetimeFigureOut">
               <a:rPr lang="zh-CN" altLang="en-US" smtClean="0"/>
-              <a:t>2022/1/4</a:t>
+              <a:t>2022/5/11</a:t>
             </a:fld>
             <a:endParaRPr lang="zh-CN" altLang="en-US"/>
           </a:p>
@@ -1735,7 +2171,7 @@
           <a:p>
             <a:fld id="{D42AAF01-6606-4CB1-80DF-0B330CD29B1F}" type="datetimeFigureOut">
               <a:rPr lang="zh-CN" altLang="en-US" smtClean="0"/>
-              <a:t>2022/1/4</a:t>
+              <a:t>2022/5/11</a:t>
             </a:fld>
             <a:endParaRPr lang="zh-CN" altLang="en-US"/>
           </a:p>
@@ -1830,7 +2266,7 @@
           <a:p>
             <a:fld id="{D42AAF01-6606-4CB1-80DF-0B330CD29B1F}" type="datetimeFigureOut">
               <a:rPr lang="zh-CN" altLang="en-US" smtClean="0"/>
-              <a:t>2022/1/4</a:t>
+              <a:t>2022/5/11</a:t>
             </a:fld>
             <a:endParaRPr lang="zh-CN" altLang="en-US"/>
           </a:p>
@@ -2107,7 +2543,7 @@
           <a:p>
             <a:fld id="{D42AAF01-6606-4CB1-80DF-0B330CD29B1F}" type="datetimeFigureOut">
               <a:rPr lang="zh-CN" altLang="en-US" smtClean="0"/>
-              <a:t>2022/1/4</a:t>
+              <a:t>2022/5/11</a:t>
             </a:fld>
             <a:endParaRPr lang="zh-CN" altLang="en-US"/>
           </a:p>
@@ -2364,7 +2800,7 @@
           <a:p>
             <a:fld id="{D42AAF01-6606-4CB1-80DF-0B330CD29B1F}" type="datetimeFigureOut">
               <a:rPr lang="zh-CN" altLang="en-US" smtClean="0"/>
-              <a:t>2022/1/4</a:t>
+              <a:t>2022/5/11</a:t>
             </a:fld>
             <a:endParaRPr lang="zh-CN" altLang="en-US"/>
           </a:p>
@@ -2577,7 +3013,7 @@
           <a:p>
             <a:fld id="{D42AAF01-6606-4CB1-80DF-0B330CD29B1F}" type="datetimeFigureOut">
               <a:rPr lang="zh-CN" altLang="en-US" smtClean="0"/>
-              <a:t>2022/1/4</a:t>
+              <a:t>2022/5/11</a:t>
             </a:fld>
             <a:endParaRPr lang="zh-CN" altLang="en-US"/>
           </a:p>
@@ -3216,8 +3652,8 @@
           </a:fontRef>
         </p:style>
       </p:cxnSp>
-      <mc:AlternateContent xmlns:mc="http://schemas.openxmlformats.org/markup-compatibility/2006">
-        <mc:Choice xmlns:a14="http://schemas.microsoft.com/office/drawing/2010/main" Requires="a14">
+      <mc:AlternateContent xmlns:mc="http://schemas.openxmlformats.org/markup-compatibility/2006" xmlns:a14="http://schemas.microsoft.com/office/drawing/2010/main">
+        <mc:Choice Requires="a14">
           <p:sp>
             <p:nvSpPr>
               <p:cNvPr id="100" name="文本框 99">
@@ -3282,7 +3718,7 @@
             </p:txBody>
           </p:sp>
         </mc:Choice>
-        <mc:Fallback>
+        <mc:Fallback xmlns="">
           <p:sp>
             <p:nvSpPr>
               <p:cNvPr id="100" name="文本框 99">
@@ -3306,7 +3742,7 @@
                 <a:avLst/>
               </a:prstGeom>
               <a:blipFill>
-                <a:blip r:embed="rId2"/>
+                <a:blip r:embed="rId3"/>
                 <a:stretch>
                   <a:fillRect/>
                 </a:stretch>
@@ -3330,8 +3766,8 @@
           </p:sp>
         </mc:Fallback>
       </mc:AlternateContent>
-      <mc:AlternateContent xmlns:mc="http://schemas.openxmlformats.org/markup-compatibility/2006">
-        <mc:Choice xmlns:a14="http://schemas.microsoft.com/office/drawing/2010/main" Requires="a14">
+      <mc:AlternateContent xmlns:mc="http://schemas.openxmlformats.org/markup-compatibility/2006" xmlns:a14="http://schemas.microsoft.com/office/drawing/2010/main">
+        <mc:Choice Requires="a14">
           <p:sp>
             <p:nvSpPr>
               <p:cNvPr id="102" name="文本框 101">
@@ -3393,7 +3829,7 @@
             </p:txBody>
           </p:sp>
         </mc:Choice>
-        <mc:Fallback>
+        <mc:Fallback xmlns="">
           <p:sp>
             <p:nvSpPr>
               <p:cNvPr id="102" name="文本框 101">
@@ -3417,7 +3853,7 @@
                 <a:avLst/>
               </a:prstGeom>
               <a:blipFill>
-                <a:blip r:embed="rId3"/>
+                <a:blip r:embed="rId4"/>
                 <a:stretch>
                   <a:fillRect/>
                 </a:stretch>
@@ -3531,7 +3967,7 @@
                 <a:avLst/>
               </a:prstGeom>
               <a:blipFill>
-                <a:blip r:embed="rId4"/>
+                <a:blip r:embed="rId5"/>
                 <a:stretch>
                   <a:fillRect/>
                 </a:stretch>
@@ -3555,8 +3991,8 @@
           </p:sp>
         </mc:Fallback>
       </mc:AlternateContent>
-      <mc:AlternateContent xmlns:mc="http://schemas.openxmlformats.org/markup-compatibility/2006">
-        <mc:Choice xmlns:a14="http://schemas.microsoft.com/office/drawing/2010/main" Requires="a14">
+      <mc:AlternateContent xmlns:mc="http://schemas.openxmlformats.org/markup-compatibility/2006" xmlns:a14="http://schemas.microsoft.com/office/drawing/2010/main">
+        <mc:Choice Requires="a14">
           <p:sp>
             <p:nvSpPr>
               <p:cNvPr id="113" name="文本框 112">
@@ -3640,7 +4076,7 @@
             </p:txBody>
           </p:sp>
         </mc:Choice>
-        <mc:Fallback>
+        <mc:Fallback xmlns="">
           <p:sp>
             <p:nvSpPr>
               <p:cNvPr id="113" name="文本框 112">
@@ -3664,7 +4100,7 @@
                 <a:avLst/>
               </a:prstGeom>
               <a:blipFill>
-                <a:blip r:embed="rId5"/>
+                <a:blip r:embed="rId6"/>
                 <a:stretch>
                   <a:fillRect/>
                 </a:stretch>
@@ -3688,8 +4124,8 @@
           </p:sp>
         </mc:Fallback>
       </mc:AlternateContent>
-      <mc:AlternateContent xmlns:mc="http://schemas.openxmlformats.org/markup-compatibility/2006">
-        <mc:Choice xmlns:a14="http://schemas.microsoft.com/office/drawing/2010/main" Requires="a14">
+      <mc:AlternateContent xmlns:mc="http://schemas.openxmlformats.org/markup-compatibility/2006" xmlns:a14="http://schemas.microsoft.com/office/drawing/2010/main">
+        <mc:Choice Requires="a14">
           <p:sp>
             <p:nvSpPr>
               <p:cNvPr id="114" name="文本框 113">
@@ -3751,7 +4187,7 @@
             </p:txBody>
           </p:sp>
         </mc:Choice>
-        <mc:Fallback>
+        <mc:Fallback xmlns="">
           <p:sp>
             <p:nvSpPr>
               <p:cNvPr id="114" name="文本框 113">
@@ -3775,7 +4211,7 @@
                 <a:avLst/>
               </a:prstGeom>
               <a:blipFill>
-                <a:blip r:embed="rId6"/>
+                <a:blip r:embed="rId7"/>
                 <a:stretch>
                   <a:fillRect/>
                 </a:stretch>
@@ -4213,6 +4649,11 @@
             <a:avLst/>
           </a:prstGeom>
           <a:ln w="28575">
+            <a:solidFill>
+              <a:schemeClr val="accent1">
+                <a:lumMod val="75000"/>
+              </a:schemeClr>
+            </a:solidFill>
             <a:prstDash val="dash"/>
           </a:ln>
         </p:spPr>
@@ -4255,6 +4696,11 @@
             <a:avLst/>
           </a:prstGeom>
           <a:ln w="28575">
+            <a:solidFill>
+              <a:schemeClr val="accent1">
+                <a:lumMod val="75000"/>
+              </a:schemeClr>
+            </a:solidFill>
             <a:prstDash val="dash"/>
           </a:ln>
         </p:spPr>
@@ -4297,6 +4743,11 @@
             <a:avLst/>
           </a:prstGeom>
           <a:ln w="28575">
+            <a:solidFill>
+              <a:schemeClr val="accent1">
+                <a:lumMod val="75000"/>
+              </a:schemeClr>
+            </a:solidFill>
             <a:prstDash val="dash"/>
           </a:ln>
         </p:spPr>
@@ -4378,6 +4829,11 @@
             <a:avLst/>
           </a:prstGeom>
           <a:ln w="28575">
+            <a:solidFill>
+              <a:schemeClr val="accent1">
+                <a:lumMod val="75000"/>
+              </a:schemeClr>
+            </a:solidFill>
             <a:prstDash val="dash"/>
           </a:ln>
         </p:spPr>
@@ -4458,7 +4914,7 @@
             </p:nvSpPr>
             <p:spPr>
               <a:xfrm>
-                <a:off x="3930958" y="1379981"/>
+                <a:off x="3904809" y="1490069"/>
                 <a:ext cx="340350" cy="553998"/>
               </a:xfrm>
               <a:prstGeom prst="rect">
@@ -4491,16 +4947,48 @@
                       <m:jc m:val="centerGroup"/>
                     </m:oMathParaPr>
                     <m:oMath xmlns:m="http://schemas.openxmlformats.org/officeDocument/2006/math">
-                      <m:r>
-                        <a:rPr lang="en-US" altLang="zh-CN" b="0" i="1" smtClean="0">
-                          <a:latin typeface="Cambria Math" panose="02040503050406030204" pitchFamily="18" charset="0"/>
-                        </a:rPr>
-                        <m:t>𝑒</m:t>
-                      </m:r>
+                      <m:sSub>
+                        <m:sSubPr>
+                          <m:ctrlPr>
+                            <a:rPr lang="en-US" altLang="zh-CN" b="0" i="1" smtClean="0">
+                              <a:solidFill>
+                                <a:schemeClr val="accent1"/>
+                              </a:solidFill>
+                              <a:latin typeface="Cambria Math" panose="02040503050406030204" pitchFamily="18" charset="0"/>
+                            </a:rPr>
+                          </m:ctrlPr>
+                        </m:sSubPr>
+                        <m:e>
+                          <m:r>
+                            <a:rPr lang="en-US" altLang="zh-CN" b="0" i="1" smtClean="0">
+                              <a:solidFill>
+                                <a:schemeClr val="accent1"/>
+                              </a:solidFill>
+                              <a:latin typeface="Cambria Math" panose="02040503050406030204" pitchFamily="18" charset="0"/>
+                            </a:rPr>
+                            <m:t>𝜎</m:t>
+                          </m:r>
+                        </m:e>
+                        <m:sub>
+                          <m:r>
+                            <a:rPr lang="en-US" altLang="zh-CN" b="0" i="1" smtClean="0">
+                              <a:solidFill>
+                                <a:schemeClr val="accent1"/>
+                              </a:solidFill>
+                              <a:latin typeface="Cambria Math" panose="02040503050406030204" pitchFamily="18" charset="0"/>
+                            </a:rPr>
+                            <m:t>2</m:t>
+                          </m:r>
+                        </m:sub>
+                      </m:sSub>
                     </m:oMath>
                   </m:oMathPara>
                 </a14:m>
-                <a:endParaRPr lang="zh-CN" altLang="en-US" dirty="0"/>
+                <a:endParaRPr lang="zh-CN" altLang="en-US" dirty="0">
+                  <a:solidFill>
+                    <a:schemeClr val="accent1"/>
+                  </a:solidFill>
+                </a:endParaRPr>
               </a:p>
             </p:txBody>
           </p:sp>
@@ -4522,16 +5010,16 @@
             </p:nvSpPr>
             <p:spPr>
               <a:xfrm>
-                <a:off x="3930958" y="1379981"/>
+                <a:off x="3904809" y="1490069"/>
                 <a:ext cx="340350" cy="553998"/>
               </a:xfrm>
               <a:prstGeom prst="rect">
                 <a:avLst/>
               </a:prstGeom>
               <a:blipFill>
-                <a:blip r:embed="rId7"/>
+                <a:blip r:embed="rId8"/>
                 <a:stretch>
-                  <a:fillRect/>
+                  <a:fillRect r="-20000"/>
                 </a:stretch>
               </a:blipFill>
               <a:ln w="28575">
@@ -4553,8 +5041,8 @@
           </p:sp>
         </mc:Fallback>
       </mc:AlternateContent>
-      <mc:AlternateContent xmlns:mc="http://schemas.openxmlformats.org/markup-compatibility/2006">
-        <mc:Choice xmlns:a14="http://schemas.microsoft.com/office/drawing/2010/main" Requires="a14">
+      <mc:AlternateContent xmlns:mc="http://schemas.openxmlformats.org/markup-compatibility/2006" xmlns:a14="http://schemas.microsoft.com/office/drawing/2010/main">
+        <mc:Choice Requires="a14">
           <p:sp>
             <p:nvSpPr>
               <p:cNvPr id="30" name="文本框 29">
@@ -4638,7 +5126,7 @@
             </p:txBody>
           </p:sp>
         </mc:Choice>
-        <mc:Fallback>
+        <mc:Fallback xmlns="">
           <p:sp>
             <p:nvSpPr>
               <p:cNvPr id="30" name="文本框 29">
@@ -4662,7 +5150,7 @@
                 <a:avLst/>
               </a:prstGeom>
               <a:blipFill>
-                <a:blip r:embed="rId8"/>
+                <a:blip r:embed="rId9"/>
                 <a:stretch>
                   <a:fillRect/>
                 </a:stretch>
@@ -4686,8 +5174,8 @@
           </p:sp>
         </mc:Fallback>
       </mc:AlternateContent>
-      <mc:AlternateContent xmlns:mc="http://schemas.openxmlformats.org/markup-compatibility/2006">
-        <mc:Choice xmlns:a14="http://schemas.microsoft.com/office/drawing/2010/main" Requires="a14">
+      <mc:AlternateContent xmlns:mc="http://schemas.openxmlformats.org/markup-compatibility/2006" xmlns:a14="http://schemas.microsoft.com/office/drawing/2010/main">
+        <mc:Choice Requires="a14">
           <p:sp>
             <p:nvSpPr>
               <p:cNvPr id="32" name="文本框 31">
@@ -4771,7 +5259,7 @@
             </p:txBody>
           </p:sp>
         </mc:Choice>
-        <mc:Fallback>
+        <mc:Fallback xmlns="">
           <p:sp>
             <p:nvSpPr>
               <p:cNvPr id="32" name="文本框 31">
@@ -4795,7 +5283,7 @@
                 <a:avLst/>
               </a:prstGeom>
               <a:blipFill>
-                <a:blip r:embed="rId9"/>
+                <a:blip r:embed="rId10"/>
                 <a:stretch>
                   <a:fillRect/>
                 </a:stretch>
@@ -4842,9 +5330,9 @@
           <a:prstGeom prst="straightConnector1">
             <a:avLst/>
           </a:prstGeom>
-          <a:ln w="28575">
+          <a:ln w="19050">
             <a:solidFill>
-              <a:schemeClr val="accent1">
+              <a:schemeClr val="accent6">
                 <a:lumMod val="75000"/>
               </a:schemeClr>
             </a:solidFill>
@@ -4890,9 +5378,9 @@
           <a:prstGeom prst="straightConnector1">
             <a:avLst/>
           </a:prstGeom>
-          <a:ln w="28575">
+          <a:ln w="19050">
             <a:solidFill>
-              <a:schemeClr val="accent1">
+              <a:schemeClr val="accent6">
                 <a:lumMod val="75000"/>
               </a:schemeClr>
             </a:solidFill>
@@ -4987,7 +5475,7 @@
                             <a:rPr lang="en-US" altLang="zh-CN" b="0" i="1" smtClean="0">
                               <a:latin typeface="Cambria Math" panose="02040503050406030204" pitchFamily="18" charset="0"/>
                             </a:rPr>
-                            <m:t>0</m:t>
+                            <m:t>4</m:t>
                           </m:r>
                         </m:sub>
                       </m:sSub>
@@ -5023,7 +5511,7 @@
                 <a:avLst/>
               </a:prstGeom>
               <a:blipFill>
-                <a:blip r:embed="rId10"/>
+                <a:blip r:embed="rId11"/>
                 <a:stretch>
                   <a:fillRect/>
                 </a:stretch>
@@ -5069,9 +5557,9 @@
           <a:prstGeom prst="straightConnector1">
             <a:avLst/>
           </a:prstGeom>
-          <a:ln w="28575">
+          <a:ln w="19050">
             <a:solidFill>
-              <a:schemeClr val="accent1">
+              <a:schemeClr val="accent6">
                 <a:lumMod val="75000"/>
               </a:schemeClr>
             </a:solidFill>
@@ -5109,7 +5597,7 @@
             </p:nvSpPr>
             <p:spPr>
               <a:xfrm>
-                <a:off x="2017495" y="2072994"/>
+                <a:off x="2696505" y="2221368"/>
                 <a:ext cx="1632828" cy="476797"/>
               </a:xfrm>
               <a:prstGeom prst="rect">
@@ -5145,10 +5633,11 @@
                       <m:r>
                         <a:rPr lang="en-US" altLang="zh-CN" sz="2800" b="0" i="1" smtClean="0">
                           <a:solidFill>
-                            <a:schemeClr val="accent1">
+                            <a:schemeClr val="accent6">
                               <a:lumMod val="75000"/>
                             </a:schemeClr>
                           </a:solidFill>
+                          <a:latin typeface="Cambria Math" panose="02040503050406030204" pitchFamily="18" charset="0"/>
                         </a:rPr>
                         <m:t>𝜅</m:t>
                       </m:r>
@@ -5157,10 +5646,11 @@
                           <m:ctrlPr>
                             <a:rPr lang="en-US" altLang="zh-CN" sz="2800" b="0" i="1" smtClean="0">
                               <a:solidFill>
-                                <a:schemeClr val="accent1">
+                                <a:schemeClr val="accent6">
                                   <a:lumMod val="75000"/>
                                 </a:schemeClr>
                               </a:solidFill>
+                              <a:latin typeface="Cambria Math" panose="02040503050406030204" pitchFamily="18" charset="0"/>
                             </a:rPr>
                           </m:ctrlPr>
                         </m:sSupPr>
@@ -5170,10 +5660,11 @@
                               <m:ctrlPr>
                                 <a:rPr lang="en-US" altLang="zh-CN" sz="2800" b="0" i="1" smtClean="0">
                                   <a:solidFill>
-                                    <a:schemeClr val="accent1">
+                                    <a:schemeClr val="accent6">
                                       <a:lumMod val="75000"/>
                                     </a:schemeClr>
                                   </a:solidFill>
+                                  <a:latin typeface="Cambria Math" panose="02040503050406030204" pitchFamily="18" charset="0"/>
                                 </a:rPr>
                               </m:ctrlPr>
                             </m:dPr>
@@ -5181,10 +5672,11 @@
                               <m:r>
                                 <a:rPr lang="en-US" altLang="zh-CN" sz="2800" b="0" i="1" smtClean="0">
                                   <a:solidFill>
-                                    <a:schemeClr val="accent1">
+                                    <a:schemeClr val="accent6">
                                       <a:lumMod val="75000"/>
                                     </a:schemeClr>
                                   </a:solidFill>
+                                  <a:latin typeface="Cambria Math" panose="02040503050406030204" pitchFamily="18" charset="0"/>
                                 </a:rPr>
                                 <m:t>𝐾</m:t>
                               </m:r>
@@ -5195,10 +5687,11 @@
                           <m:r>
                             <a:rPr lang="en-US" altLang="zh-CN" sz="2800" b="0" i="1" smtClean="0">
                               <a:solidFill>
-                                <a:schemeClr val="accent1">
+                                <a:schemeClr val="accent6">
                                   <a:lumMod val="75000"/>
                                 </a:schemeClr>
                               </a:solidFill>
+                              <a:latin typeface="Cambria Math" panose="02040503050406030204" pitchFamily="18" charset="0"/>
                             </a:rPr>
                             <m:t>𝑇</m:t>
                           </m:r>
@@ -5209,10 +5702,11 @@
                           <m:ctrlPr>
                             <a:rPr lang="en-US" altLang="zh-CN" sz="2800" b="0" i="1" smtClean="0">
                               <a:solidFill>
-                                <a:schemeClr val="accent1">
+                                <a:schemeClr val="accent6">
                                   <a:lumMod val="75000"/>
                                 </a:schemeClr>
                               </a:solidFill>
+                              <a:latin typeface="Cambria Math" panose="02040503050406030204" pitchFamily="18" charset="0"/>
                             </a:rPr>
                           </m:ctrlPr>
                         </m:sSubPr>
@@ -5220,10 +5714,11 @@
                           <m:r>
                             <a:rPr lang="en-US" altLang="zh-CN" sz="2800" b="0" i="1" smtClean="0">
                               <a:solidFill>
-                                <a:schemeClr val="accent1">
+                                <a:schemeClr val="accent6">
                                   <a:lumMod val="75000"/>
                                 </a:schemeClr>
                               </a:solidFill>
+                              <a:latin typeface="Cambria Math" panose="02040503050406030204" pitchFamily="18" charset="0"/>
                             </a:rPr>
                             <m:t>𝑛</m:t>
                           </m:r>
@@ -5234,10 +5729,11 @@
                               <m:ctrlPr>
                                 <a:rPr lang="en-US" altLang="zh-CN" sz="2800" b="0" i="1" smtClean="0">
                                   <a:solidFill>
-                                    <a:schemeClr val="accent1">
+                                    <a:schemeClr val="accent6">
                                       <a:lumMod val="75000"/>
                                     </a:schemeClr>
                                   </a:solidFill>
+                                  <a:latin typeface="Cambria Math" panose="02040503050406030204" pitchFamily="18" charset="0"/>
                                 </a:rPr>
                               </m:ctrlPr>
                             </m:sSubPr>
@@ -5245,10 +5741,11 @@
                               <m:r>
                                 <a:rPr lang="en-US" altLang="zh-CN" sz="2800" b="0" i="1" smtClean="0">
                                   <a:solidFill>
-                                    <a:schemeClr val="accent1">
+                                    <a:schemeClr val="accent6">
                                       <a:lumMod val="75000"/>
                                     </a:schemeClr>
                                   </a:solidFill>
+                                  <a:latin typeface="Cambria Math" panose="02040503050406030204" pitchFamily="18" charset="0"/>
                                 </a:rPr>
                                 <m:t>𝐸</m:t>
                               </m:r>
@@ -5257,10 +5754,11 @@
                               <m:r>
                                 <a:rPr lang="en-US" altLang="zh-CN" sz="2800" b="0" i="1" smtClean="0">
                                   <a:solidFill>
-                                    <a:schemeClr val="accent1">
+                                    <a:schemeClr val="accent6">
                                       <a:lumMod val="75000"/>
                                     </a:schemeClr>
                                   </a:solidFill>
+                                  <a:latin typeface="Cambria Math" panose="02040503050406030204" pitchFamily="18" charset="0"/>
                                 </a:rPr>
                                 <m:t>2</m:t>
                               </m:r>
@@ -5269,10 +5767,11 @@
                           <m:r>
                             <a:rPr lang="en-US" altLang="zh-CN" sz="2800" b="0" i="1" smtClean="0">
                               <a:solidFill>
-                                <a:schemeClr val="accent1">
+                                <a:schemeClr val="accent6">
                                   <a:lumMod val="75000"/>
                                 </a:schemeClr>
                               </a:solidFill>
+                              <a:latin typeface="Cambria Math" panose="02040503050406030204" pitchFamily="18" charset="0"/>
                             </a:rPr>
                             <m:t>,</m:t>
                           </m:r>
@@ -5282,10 +5781,11 @@
                             </m:rPr>
                             <a:rPr lang="en-US" altLang="zh-CN" sz="2800">
                               <a:solidFill>
-                                <a:schemeClr val="accent1">
+                                <a:schemeClr val="accent6">
                                   <a:lumMod val="75000"/>
                                 </a:schemeClr>
                               </a:solidFill>
+                              <a:latin typeface="Cambria Math" panose="02040503050406030204" pitchFamily="18" charset="0"/>
                             </a:rPr>
                             <m:t>e</m:t>
                           </m:r>
@@ -5296,7 +5796,7 @@
                 </a14:m>
                 <a:endParaRPr lang="zh-CN" altLang="en-US" sz="2800" dirty="0">
                   <a:solidFill>
-                    <a:schemeClr val="accent1">
+                    <a:schemeClr val="accent6">
                       <a:lumMod val="75000"/>
                     </a:schemeClr>
                   </a:solidFill>
@@ -5322,16 +5822,537 @@
             </p:nvSpPr>
             <p:spPr>
               <a:xfrm>
-                <a:off x="2017495" y="2072994"/>
+                <a:off x="2696505" y="2221368"/>
                 <a:ext cx="1632828" cy="476797"/>
               </a:xfrm>
               <a:prstGeom prst="rect">
                 <a:avLst/>
               </a:prstGeom>
               <a:blipFill>
-                <a:blip r:embed="rId11"/>
+                <a:blip r:embed="rId12"/>
                 <a:stretch>
-                  <a:fillRect b="-1282"/>
+                  <a:fillRect/>
+                </a:stretch>
+              </a:blipFill>
+              <a:ln w="28575">
+                <a:noFill/>
+              </a:ln>
+            </p:spPr>
+            <p:txBody>
+              <a:bodyPr/>
+              <a:lstStyle/>
+              <a:p>
+                <a:r>
+                  <a:rPr lang="zh-CN" altLang="en-US">
+                    <a:noFill/>
+                  </a:rPr>
+                  <a:t> </a:t>
+                </a:r>
+              </a:p>
+            </p:txBody>
+          </p:sp>
+        </mc:Fallback>
+      </mc:AlternateContent>
+      <p:cxnSp>
+        <p:nvCxnSpPr>
+          <p:cNvPr id="37" name="直接连接符 36">
+            <a:extLst>
+              <a:ext uri="{FF2B5EF4-FFF2-40B4-BE49-F238E27FC236}">
+                <a16:creationId xmlns:a16="http://schemas.microsoft.com/office/drawing/2014/main" id="{1A17221F-4207-2172-434C-9BA5B715D2FF}"/>
+              </a:ext>
+            </a:extLst>
+          </p:cNvPr>
+          <p:cNvCxnSpPr>
+            <a:cxnSpLocks/>
+            <a:endCxn id="100" idx="3"/>
+          </p:cNvCxnSpPr>
+          <p:nvPr/>
+        </p:nvCxnSpPr>
+        <p:spPr>
+          <a:xfrm>
+            <a:off x="1916669" y="1503748"/>
+            <a:ext cx="944775" cy="1561441"/>
+          </a:xfrm>
+          <a:prstGeom prst="line">
+            <a:avLst/>
+          </a:prstGeom>
+          <a:ln w="28575">
+            <a:solidFill>
+              <a:srgbClr val="0070C0"/>
+            </a:solidFill>
+            <a:prstDash val="dash"/>
+          </a:ln>
+        </p:spPr>
+        <p:style>
+          <a:lnRef idx="1">
+            <a:schemeClr val="dk1"/>
+          </a:lnRef>
+          <a:fillRef idx="0">
+            <a:schemeClr val="dk1"/>
+          </a:fillRef>
+          <a:effectRef idx="0">
+            <a:schemeClr val="dk1"/>
+          </a:effectRef>
+          <a:fontRef idx="minor">
+            <a:schemeClr val="tx1"/>
+          </a:fontRef>
+        </p:style>
+      </p:cxnSp>
+      <p:cxnSp>
+        <p:nvCxnSpPr>
+          <p:cNvPr id="45" name="直接连接符 44">
+            <a:extLst>
+              <a:ext uri="{FF2B5EF4-FFF2-40B4-BE49-F238E27FC236}">
+                <a16:creationId xmlns:a16="http://schemas.microsoft.com/office/drawing/2014/main" id="{8F02BCE7-0A0B-4DD8-8304-A216E9C80AF9}"/>
+              </a:ext>
+            </a:extLst>
+          </p:cNvPr>
+          <p:cNvCxnSpPr>
+            <a:cxnSpLocks/>
+            <a:endCxn id="100" idx="3"/>
+          </p:cNvCxnSpPr>
+          <p:nvPr/>
+        </p:nvCxnSpPr>
+        <p:spPr>
+          <a:xfrm flipV="1">
+            <a:off x="1098394" y="3065189"/>
+            <a:ext cx="1763050" cy="2610006"/>
+          </a:xfrm>
+          <a:prstGeom prst="line">
+            <a:avLst/>
+          </a:prstGeom>
+          <a:ln w="28575">
+            <a:solidFill>
+              <a:schemeClr val="accent1">
+                <a:lumMod val="75000"/>
+              </a:schemeClr>
+            </a:solidFill>
+            <a:prstDash val="dash"/>
+          </a:ln>
+        </p:spPr>
+        <p:style>
+          <a:lnRef idx="1">
+            <a:schemeClr val="dk1"/>
+          </a:lnRef>
+          <a:fillRef idx="0">
+            <a:schemeClr val="dk1"/>
+          </a:fillRef>
+          <a:effectRef idx="0">
+            <a:schemeClr val="dk1"/>
+          </a:effectRef>
+          <a:fontRef idx="minor">
+            <a:schemeClr val="tx1"/>
+          </a:fontRef>
+        </p:style>
+      </p:cxnSp>
+      <mc:AlternateContent xmlns:mc="http://schemas.openxmlformats.org/markup-compatibility/2006">
+        <mc:Choice xmlns:a14="http://schemas.microsoft.com/office/drawing/2010/main" Requires="a14">
+          <p:sp>
+            <p:nvSpPr>
+              <p:cNvPr id="39" name="文本框 38">
+                <a:extLst>
+                  <a:ext uri="{FF2B5EF4-FFF2-40B4-BE49-F238E27FC236}">
+                    <a16:creationId xmlns:a16="http://schemas.microsoft.com/office/drawing/2014/main" id="{AB4C6332-A276-7B8F-CEEF-A74CE28394F9}"/>
+                  </a:ext>
+                </a:extLst>
+              </p:cNvPr>
+              <p:cNvSpPr txBox="1"/>
+              <p:nvPr/>
+            </p:nvSpPr>
+            <p:spPr>
+              <a:xfrm>
+                <a:off x="1990414" y="2131424"/>
+                <a:ext cx="340350" cy="553998"/>
+              </a:xfrm>
+              <a:prstGeom prst="rect">
+                <a:avLst/>
+              </a:prstGeom>
+              <a:noFill/>
+              <a:ln w="28575">
+                <a:noFill/>
+              </a:ln>
+            </p:spPr>
+            <p:txBody>
+              <a:bodyPr wrap="square" lIns="0" tIns="0" rIns="0" bIns="0" rtlCol="0">
+                <a:spAutoFit/>
+              </a:bodyPr>
+              <a:lstStyle>
+                <a:defPPr>
+                  <a:defRPr lang="en-US"/>
+                </a:defPPr>
+                <a:lvl1pPr>
+                  <a:defRPr sz="3600" b="0" i="1">
+                    <a:latin typeface="Cambria Math" panose="02040503050406030204" pitchFamily="18" charset="0"/>
+                  </a:defRPr>
+                </a:lvl1pPr>
+              </a:lstStyle>
+              <a:p>
+                <a:pPr/>
+                <a14:m>
+                  <m:oMathPara xmlns:m="http://schemas.openxmlformats.org/officeDocument/2006/math">
+                    <m:oMathParaPr>
+                      <m:jc m:val="centerGroup"/>
+                    </m:oMathParaPr>
+                    <m:oMath xmlns:m="http://schemas.openxmlformats.org/officeDocument/2006/math">
+                      <m:sSub>
+                        <m:sSubPr>
+                          <m:ctrlPr>
+                            <a:rPr lang="en-US" altLang="zh-CN" b="0" i="1" smtClean="0">
+                              <a:solidFill>
+                                <a:schemeClr val="accent1"/>
+                              </a:solidFill>
+                              <a:latin typeface="Cambria Math" panose="02040503050406030204" pitchFamily="18" charset="0"/>
+                            </a:rPr>
+                          </m:ctrlPr>
+                        </m:sSubPr>
+                        <m:e>
+                          <m:r>
+                            <a:rPr lang="en-US" altLang="zh-CN" b="0" i="1" smtClean="0">
+                              <a:solidFill>
+                                <a:schemeClr val="accent1"/>
+                              </a:solidFill>
+                              <a:latin typeface="Cambria Math" panose="02040503050406030204" pitchFamily="18" charset="0"/>
+                            </a:rPr>
+                            <m:t>𝜎</m:t>
+                          </m:r>
+                        </m:e>
+                        <m:sub>
+                          <m:r>
+                            <a:rPr lang="en-US" altLang="zh-CN" b="0" i="1" smtClean="0">
+                              <a:solidFill>
+                                <a:schemeClr val="accent1"/>
+                              </a:solidFill>
+                              <a:latin typeface="Cambria Math" panose="02040503050406030204" pitchFamily="18" charset="0"/>
+                            </a:rPr>
+                            <m:t>1</m:t>
+                          </m:r>
+                        </m:sub>
+                      </m:sSub>
+                    </m:oMath>
+                  </m:oMathPara>
+                </a14:m>
+                <a:endParaRPr lang="zh-CN" altLang="en-US" dirty="0">
+                  <a:solidFill>
+                    <a:schemeClr val="accent1"/>
+                  </a:solidFill>
+                </a:endParaRPr>
+              </a:p>
+            </p:txBody>
+          </p:sp>
+        </mc:Choice>
+        <mc:Fallback>
+          <p:sp>
+            <p:nvSpPr>
+              <p:cNvPr id="39" name="文本框 38">
+                <a:extLst>
+                  <a:ext uri="{FF2B5EF4-FFF2-40B4-BE49-F238E27FC236}">
+                    <a16:creationId xmlns:a16="http://schemas.microsoft.com/office/drawing/2014/main" id="{AB4C6332-A276-7B8F-CEEF-A74CE28394F9}"/>
+                  </a:ext>
+                </a:extLst>
+              </p:cNvPr>
+              <p:cNvSpPr txBox="1">
+                <a:spLocks noRot="1" noChangeAspect="1" noMove="1" noResize="1" noEditPoints="1" noAdjustHandles="1" noChangeArrowheads="1" noChangeShapeType="1" noTextEdit="1"/>
+              </p:cNvSpPr>
+              <p:nvPr/>
+            </p:nvSpPr>
+            <p:spPr>
+              <a:xfrm>
+                <a:off x="1990414" y="2131424"/>
+                <a:ext cx="340350" cy="553998"/>
+              </a:xfrm>
+              <a:prstGeom prst="rect">
+                <a:avLst/>
+              </a:prstGeom>
+              <a:blipFill>
+                <a:blip r:embed="rId13"/>
+                <a:stretch>
+                  <a:fillRect r="-18182"/>
+                </a:stretch>
+              </a:blipFill>
+              <a:ln w="28575">
+                <a:noFill/>
+              </a:ln>
+            </p:spPr>
+            <p:txBody>
+              <a:bodyPr/>
+              <a:lstStyle/>
+              <a:p>
+                <a:r>
+                  <a:rPr lang="zh-CN" altLang="en-US">
+                    <a:noFill/>
+                  </a:rPr>
+                  <a:t> </a:t>
+                </a:r>
+              </a:p>
+            </p:txBody>
+          </p:sp>
+        </mc:Fallback>
+      </mc:AlternateContent>
+      <mc:AlternateContent xmlns:mc="http://schemas.openxmlformats.org/markup-compatibility/2006">
+        <mc:Choice xmlns:a14="http://schemas.microsoft.com/office/drawing/2010/main" Requires="a14">
+          <p:sp>
+            <p:nvSpPr>
+              <p:cNvPr id="47" name="文本框 46">
+                <a:extLst>
+                  <a:ext uri="{FF2B5EF4-FFF2-40B4-BE49-F238E27FC236}">
+                    <a16:creationId xmlns:a16="http://schemas.microsoft.com/office/drawing/2014/main" id="{503C4141-FA88-E8D5-30E4-340DE6E27674}"/>
+                  </a:ext>
+                </a:extLst>
+              </p:cNvPr>
+              <p:cNvSpPr txBox="1"/>
+              <p:nvPr/>
+            </p:nvSpPr>
+            <p:spPr>
+              <a:xfrm>
+                <a:off x="3588752" y="4665248"/>
+                <a:ext cx="340350" cy="553998"/>
+              </a:xfrm>
+              <a:prstGeom prst="rect">
+                <a:avLst/>
+              </a:prstGeom>
+              <a:noFill/>
+              <a:ln w="28575">
+                <a:noFill/>
+              </a:ln>
+            </p:spPr>
+            <p:txBody>
+              <a:bodyPr wrap="square" lIns="0" tIns="0" rIns="0" bIns="0" rtlCol="0">
+                <a:spAutoFit/>
+              </a:bodyPr>
+              <a:lstStyle>
+                <a:defPPr>
+                  <a:defRPr lang="en-US"/>
+                </a:defPPr>
+                <a:lvl1pPr>
+                  <a:defRPr sz="3600" b="0" i="1">
+                    <a:latin typeface="Cambria Math" panose="02040503050406030204" pitchFamily="18" charset="0"/>
+                  </a:defRPr>
+                </a:lvl1pPr>
+              </a:lstStyle>
+              <a:p>
+                <a:pPr/>
+                <a14:m>
+                  <m:oMathPara xmlns:m="http://schemas.openxmlformats.org/officeDocument/2006/math">
+                    <m:oMathParaPr>
+                      <m:jc m:val="centerGroup"/>
+                    </m:oMathParaPr>
+                    <m:oMath xmlns:m="http://schemas.openxmlformats.org/officeDocument/2006/math">
+                      <m:sSub>
+                        <m:sSubPr>
+                          <m:ctrlPr>
+                            <a:rPr lang="en-US" altLang="zh-CN" b="0" i="1" smtClean="0">
+                              <a:solidFill>
+                                <a:schemeClr val="accent1"/>
+                              </a:solidFill>
+                              <a:latin typeface="Cambria Math" panose="02040503050406030204" pitchFamily="18" charset="0"/>
+                            </a:rPr>
+                          </m:ctrlPr>
+                        </m:sSubPr>
+                        <m:e>
+                          <m:r>
+                            <a:rPr lang="en-US" altLang="zh-CN" b="0" i="1" smtClean="0">
+                              <a:solidFill>
+                                <a:schemeClr val="accent1"/>
+                              </a:solidFill>
+                              <a:latin typeface="Cambria Math" panose="02040503050406030204" pitchFamily="18" charset="0"/>
+                            </a:rPr>
+                            <m:t>𝜎</m:t>
+                          </m:r>
+                        </m:e>
+                        <m:sub>
+                          <m:r>
+                            <a:rPr lang="en-US" altLang="zh-CN" b="0" i="1" smtClean="0">
+                              <a:solidFill>
+                                <a:schemeClr val="accent1"/>
+                              </a:solidFill>
+                              <a:latin typeface="Cambria Math" panose="02040503050406030204" pitchFamily="18" charset="0"/>
+                            </a:rPr>
+                            <m:t>3</m:t>
+                          </m:r>
+                        </m:sub>
+                      </m:sSub>
+                    </m:oMath>
+                  </m:oMathPara>
+                </a14:m>
+                <a:endParaRPr lang="zh-CN" altLang="en-US" dirty="0">
+                  <a:solidFill>
+                    <a:schemeClr val="accent1"/>
+                  </a:solidFill>
+                </a:endParaRPr>
+              </a:p>
+            </p:txBody>
+          </p:sp>
+        </mc:Choice>
+        <mc:Fallback>
+          <p:sp>
+            <p:nvSpPr>
+              <p:cNvPr id="47" name="文本框 46">
+                <a:extLst>
+                  <a:ext uri="{FF2B5EF4-FFF2-40B4-BE49-F238E27FC236}">
+                    <a16:creationId xmlns:a16="http://schemas.microsoft.com/office/drawing/2014/main" id="{503C4141-FA88-E8D5-30E4-340DE6E27674}"/>
+                  </a:ext>
+                </a:extLst>
+              </p:cNvPr>
+              <p:cNvSpPr txBox="1">
+                <a:spLocks noRot="1" noChangeAspect="1" noMove="1" noResize="1" noEditPoints="1" noAdjustHandles="1" noChangeArrowheads="1" noChangeShapeType="1" noTextEdit="1"/>
+              </p:cNvSpPr>
+              <p:nvPr/>
+            </p:nvSpPr>
+            <p:spPr>
+              <a:xfrm>
+                <a:off x="3588752" y="4665248"/>
+                <a:ext cx="340350" cy="553998"/>
+              </a:xfrm>
+              <a:prstGeom prst="rect">
+                <a:avLst/>
+              </a:prstGeom>
+              <a:blipFill>
+                <a:blip r:embed="rId14"/>
+                <a:stretch>
+                  <a:fillRect r="-17857"/>
+                </a:stretch>
+              </a:blipFill>
+              <a:ln w="28575">
+                <a:noFill/>
+              </a:ln>
+            </p:spPr>
+            <p:txBody>
+              <a:bodyPr/>
+              <a:lstStyle/>
+              <a:p>
+                <a:r>
+                  <a:rPr lang="zh-CN" altLang="en-US">
+                    <a:noFill/>
+                  </a:rPr>
+                  <a:t> </a:t>
+                </a:r>
+              </a:p>
+            </p:txBody>
+          </p:sp>
+        </mc:Fallback>
+      </mc:AlternateContent>
+      <mc:AlternateContent xmlns:mc="http://schemas.openxmlformats.org/markup-compatibility/2006">
+        <mc:Choice xmlns:a14="http://schemas.microsoft.com/office/drawing/2010/main" Requires="a14">
+          <p:sp>
+            <p:nvSpPr>
+              <p:cNvPr id="48" name="文本框 47">
+                <a:extLst>
+                  <a:ext uri="{FF2B5EF4-FFF2-40B4-BE49-F238E27FC236}">
+                    <a16:creationId xmlns:a16="http://schemas.microsoft.com/office/drawing/2014/main" id="{8EF60D1E-0E6D-9082-0045-EEBD5E8690F5}"/>
+                  </a:ext>
+                </a:extLst>
+              </p:cNvPr>
+              <p:cNvSpPr txBox="1"/>
+              <p:nvPr/>
+            </p:nvSpPr>
+            <p:spPr>
+              <a:xfrm>
+                <a:off x="1869812" y="4426849"/>
+                <a:ext cx="340350" cy="553998"/>
+              </a:xfrm>
+              <a:prstGeom prst="rect">
+                <a:avLst/>
+              </a:prstGeom>
+              <a:noFill/>
+              <a:ln w="28575">
+                <a:noFill/>
+              </a:ln>
+            </p:spPr>
+            <p:txBody>
+              <a:bodyPr wrap="square" lIns="0" tIns="0" rIns="0" bIns="0" rtlCol="0">
+                <a:spAutoFit/>
+              </a:bodyPr>
+              <a:lstStyle>
+                <a:defPPr>
+                  <a:defRPr lang="en-US"/>
+                </a:defPPr>
+                <a:lvl1pPr>
+                  <a:defRPr sz="3600" b="0" i="1">
+                    <a:latin typeface="Cambria Math" panose="02040503050406030204" pitchFamily="18" charset="0"/>
+                  </a:defRPr>
+                </a:lvl1pPr>
+              </a:lstStyle>
+              <a:p>
+                <a:pPr/>
+                <a14:m>
+                  <m:oMathPara xmlns:m="http://schemas.openxmlformats.org/officeDocument/2006/math">
+                    <m:oMathParaPr>
+                      <m:jc m:val="centerGroup"/>
+                    </m:oMathParaPr>
+                    <m:oMath xmlns:m="http://schemas.openxmlformats.org/officeDocument/2006/math">
+                      <m:sSub>
+                        <m:sSubPr>
+                          <m:ctrlPr>
+                            <a:rPr lang="en-US" altLang="zh-CN" b="0" i="1" smtClean="0">
+                              <a:solidFill>
+                                <a:schemeClr val="accent1"/>
+                              </a:solidFill>
+                              <a:latin typeface="Cambria Math" panose="02040503050406030204" pitchFamily="18" charset="0"/>
+                            </a:rPr>
+                          </m:ctrlPr>
+                        </m:sSubPr>
+                        <m:e>
+                          <m:r>
+                            <a:rPr lang="en-US" altLang="zh-CN" b="0" i="1" smtClean="0">
+                              <a:solidFill>
+                                <a:schemeClr val="accent1"/>
+                              </a:solidFill>
+                              <a:latin typeface="Cambria Math" panose="02040503050406030204" pitchFamily="18" charset="0"/>
+                            </a:rPr>
+                            <m:t>𝜎</m:t>
+                          </m:r>
+                        </m:e>
+                        <m:sub>
+                          <m:r>
+                            <a:rPr lang="en-US" altLang="zh-CN" b="0" i="1" smtClean="0">
+                              <a:solidFill>
+                                <a:schemeClr val="accent1"/>
+                              </a:solidFill>
+                              <a:latin typeface="Cambria Math" panose="02040503050406030204" pitchFamily="18" charset="0"/>
+                            </a:rPr>
+                            <m:t>4</m:t>
+                          </m:r>
+                        </m:sub>
+                      </m:sSub>
+                    </m:oMath>
+                  </m:oMathPara>
+                </a14:m>
+                <a:endParaRPr lang="zh-CN" altLang="en-US" dirty="0">
+                  <a:solidFill>
+                    <a:schemeClr val="accent1"/>
+                  </a:solidFill>
+                </a:endParaRPr>
+              </a:p>
+            </p:txBody>
+          </p:sp>
+        </mc:Choice>
+        <mc:Fallback>
+          <p:sp>
+            <p:nvSpPr>
+              <p:cNvPr id="48" name="文本框 47">
+                <a:extLst>
+                  <a:ext uri="{FF2B5EF4-FFF2-40B4-BE49-F238E27FC236}">
+                    <a16:creationId xmlns:a16="http://schemas.microsoft.com/office/drawing/2014/main" id="{8EF60D1E-0E6D-9082-0045-EEBD5E8690F5}"/>
+                  </a:ext>
+                </a:extLst>
+              </p:cNvPr>
+              <p:cNvSpPr txBox="1">
+                <a:spLocks noRot="1" noChangeAspect="1" noMove="1" noResize="1" noEditPoints="1" noAdjustHandles="1" noChangeArrowheads="1" noChangeShapeType="1" noTextEdit="1"/>
+              </p:cNvSpPr>
+              <p:nvPr/>
+            </p:nvSpPr>
+            <p:spPr>
+              <a:xfrm>
+                <a:off x="1869812" y="4426849"/>
+                <a:ext cx="340350" cy="553998"/>
+              </a:xfrm>
+              <a:prstGeom prst="rect">
+                <a:avLst/>
+              </a:prstGeom>
+              <a:blipFill>
+                <a:blip r:embed="rId15"/>
+                <a:stretch>
+                  <a:fillRect r="-23214"/>
                 </a:stretch>
               </a:blipFill>
               <a:ln w="28575">
@@ -5625,4 +6646,299 @@
     </a:ext>
   </a:extLst>
 </a:theme>
+</file>
+
+<file path=ppt/theme/theme2.xml><?xml version="1.0" encoding="utf-8"?>
+<a:theme xmlns:a="http://schemas.openxmlformats.org/drawingml/2006/main" name="Office 主题​​">
+  <a:themeElements>
+    <a:clrScheme name="Office">
+      <a:dk1>
+        <a:sysClr val="windowText" lastClr="000000"/>
+      </a:dk1>
+      <a:lt1>
+        <a:sysClr val="window" lastClr="FFFFFF"/>
+      </a:lt1>
+      <a:dk2>
+        <a:srgbClr val="44546A"/>
+      </a:dk2>
+      <a:lt2>
+        <a:srgbClr val="E7E6E6"/>
+      </a:lt2>
+      <a:accent1>
+        <a:srgbClr val="4472C4"/>
+      </a:accent1>
+      <a:accent2>
+        <a:srgbClr val="ED7D31"/>
+      </a:accent2>
+      <a:accent3>
+        <a:srgbClr val="A5A5A5"/>
+      </a:accent3>
+      <a:accent4>
+        <a:srgbClr val="FFC000"/>
+      </a:accent4>
+      <a:accent5>
+        <a:srgbClr val="5B9BD5"/>
+      </a:accent5>
+      <a:accent6>
+        <a:srgbClr val="70AD47"/>
+      </a:accent6>
+      <a:hlink>
+        <a:srgbClr val="0563C1"/>
+      </a:hlink>
+      <a:folHlink>
+        <a:srgbClr val="954F72"/>
+      </a:folHlink>
+    </a:clrScheme>
+    <a:fontScheme name="Office">
+      <a:majorFont>
+        <a:latin typeface="等线 Light" panose="020F0302020204030204"/>
+        <a:ea typeface=""/>
+        <a:cs typeface=""/>
+        <a:font script="Jpan" typeface="游ゴシック Light"/>
+        <a:font script="Hang" typeface="맑은 고딕"/>
+        <a:font script="Hans" typeface="等线 Light"/>
+        <a:font script="Hant" typeface="新細明體"/>
+        <a:font script="Arab" typeface="Times New Roman"/>
+        <a:font script="Hebr" typeface="Times New Roman"/>
+        <a:font script="Thai" typeface="Angsana New"/>
+        <a:font script="Ethi" typeface="Nyala"/>
+        <a:font script="Beng" typeface="Vrinda"/>
+        <a:font script="Gujr" typeface="Shruti"/>
+        <a:font script="Khmr" typeface="MoolBoran"/>
+        <a:font script="Knda" typeface="Tunga"/>
+        <a:font script="Guru" typeface="Raavi"/>
+        <a:font script="Cans" typeface="Euphemia"/>
+        <a:font script="Cher" typeface="Plantagenet Cherokee"/>
+        <a:font script="Yiii" typeface="Microsoft Yi Baiti"/>
+        <a:font script="Tibt" typeface="Microsoft Himalaya"/>
+        <a:font script="Thaa" typeface="MV Boli"/>
+        <a:font script="Deva" typeface="Mangal"/>
+        <a:font script="Telu" typeface="Gautami"/>
+        <a:font script="Taml" typeface="Latha"/>
+        <a:font script="Syrc" typeface="Estrangelo Edessa"/>
+        <a:font script="Orya" typeface="Kalinga"/>
+        <a:font script="Mlym" typeface="Kartika"/>
+        <a:font script="Laoo" typeface="DokChampa"/>
+        <a:font script="Sinh" typeface="Iskoola Pota"/>
+        <a:font script="Mong" typeface="Mongolian Baiti"/>
+        <a:font script="Viet" typeface="Times New Roman"/>
+        <a:font script="Uigh" typeface="Microsoft Uighur"/>
+        <a:font script="Geor" typeface="Sylfaen"/>
+        <a:font script="Armn" typeface="Arial"/>
+        <a:font script="Bugi" typeface="Leelawadee UI"/>
+        <a:font script="Bopo" typeface="Microsoft JhengHei"/>
+        <a:font script="Java" typeface="Javanese Text"/>
+        <a:font script="Lisu" typeface="Segoe UI"/>
+        <a:font script="Mymr" typeface="Myanmar Text"/>
+        <a:font script="Nkoo" typeface="Ebrima"/>
+        <a:font script="Olck" typeface="Nirmala UI"/>
+        <a:font script="Osma" typeface="Ebrima"/>
+        <a:font script="Phag" typeface="Phagspa"/>
+        <a:font script="Syrn" typeface="Estrangelo Edessa"/>
+        <a:font script="Syrj" typeface="Estrangelo Edessa"/>
+        <a:font script="Syre" typeface="Estrangelo Edessa"/>
+        <a:font script="Sora" typeface="Nirmala UI"/>
+        <a:font script="Tale" typeface="Microsoft Tai Le"/>
+        <a:font script="Talu" typeface="Microsoft New Tai Lue"/>
+        <a:font script="Tfng" typeface="Ebrima"/>
+      </a:majorFont>
+      <a:minorFont>
+        <a:latin typeface="等线" panose="020F0502020204030204"/>
+        <a:ea typeface=""/>
+        <a:cs typeface=""/>
+        <a:font script="Jpan" typeface="游ゴシック"/>
+        <a:font script="Hang" typeface="맑은 고딕"/>
+        <a:font script="Hans" typeface="等线"/>
+        <a:font script="Hant" typeface="新細明體"/>
+        <a:font script="Arab" typeface="Arial"/>
+        <a:font script="Hebr" typeface="Arial"/>
+        <a:font script="Thai" typeface="Cordia New"/>
+        <a:font script="Ethi" typeface="Nyala"/>
+        <a:font script="Beng" typeface="Vrinda"/>
+        <a:font script="Gujr" typeface="Shruti"/>
+        <a:font script="Khmr" typeface="DaunPenh"/>
+        <a:font script="Knda" typeface="Tunga"/>
+        <a:font script="Guru" typeface="Raavi"/>
+        <a:font script="Cans" typeface="Euphemia"/>
+        <a:font script="Cher" typeface="Plantagenet Cherokee"/>
+        <a:font script="Yiii" typeface="Microsoft Yi Baiti"/>
+        <a:font script="Tibt" typeface="Microsoft Himalaya"/>
+        <a:font script="Thaa" typeface="MV Boli"/>
+        <a:font script="Deva" typeface="Mangal"/>
+        <a:font script="Telu" typeface="Gautami"/>
+        <a:font script="Taml" typeface="Latha"/>
+        <a:font script="Syrc" typeface="Estrangelo Edessa"/>
+        <a:font script="Orya" typeface="Kalinga"/>
+        <a:font script="Mlym" typeface="Kartika"/>
+        <a:font script="Laoo" typeface="DokChampa"/>
+        <a:font script="Sinh" typeface="Iskoola Pota"/>
+        <a:font script="Mong" typeface="Mongolian Baiti"/>
+        <a:font script="Viet" typeface="Arial"/>
+        <a:font script="Uigh" typeface="Microsoft Uighur"/>
+        <a:font script="Geor" typeface="Sylfaen"/>
+        <a:font script="Armn" typeface="Arial"/>
+        <a:font script="Bugi" typeface="Leelawadee UI"/>
+        <a:font script="Bopo" typeface="Microsoft JhengHei"/>
+        <a:font script="Java" typeface="Javanese Text"/>
+        <a:font script="Lisu" typeface="Segoe UI"/>
+        <a:font script="Mymr" typeface="Myanmar Text"/>
+        <a:font script="Nkoo" typeface="Ebrima"/>
+        <a:font script="Olck" typeface="Nirmala UI"/>
+        <a:font script="Osma" typeface="Ebrima"/>
+        <a:font script="Phag" typeface="Phagspa"/>
+        <a:font script="Syrn" typeface="Estrangelo Edessa"/>
+        <a:font script="Syrj" typeface="Estrangelo Edessa"/>
+        <a:font script="Syre" typeface="Estrangelo Edessa"/>
+        <a:font script="Sora" typeface="Nirmala UI"/>
+        <a:font script="Tale" typeface="Microsoft Tai Le"/>
+        <a:font script="Talu" typeface="Microsoft New Tai Lue"/>
+        <a:font script="Tfng" typeface="Ebrima"/>
+      </a:minorFont>
+    </a:fontScheme>
+    <a:fmtScheme name="Office">
+      <a:fillStyleLst>
+        <a:solidFill>
+          <a:schemeClr val="phClr"/>
+        </a:solidFill>
+        <a:gradFill rotWithShape="1">
+          <a:gsLst>
+            <a:gs pos="0">
+              <a:schemeClr val="phClr">
+                <a:lumMod val="110000"/>
+                <a:satMod val="105000"/>
+                <a:tint val="67000"/>
+              </a:schemeClr>
+            </a:gs>
+            <a:gs pos="50000">
+              <a:schemeClr val="phClr">
+                <a:lumMod val="105000"/>
+                <a:satMod val="103000"/>
+                <a:tint val="73000"/>
+              </a:schemeClr>
+            </a:gs>
+            <a:gs pos="100000">
+              <a:schemeClr val="phClr">
+                <a:lumMod val="105000"/>
+                <a:satMod val="109000"/>
+                <a:tint val="81000"/>
+              </a:schemeClr>
+            </a:gs>
+          </a:gsLst>
+          <a:lin ang="5400000" scaled="0"/>
+        </a:gradFill>
+        <a:gradFill rotWithShape="1">
+          <a:gsLst>
+            <a:gs pos="0">
+              <a:schemeClr val="phClr">
+                <a:satMod val="103000"/>
+                <a:lumMod val="102000"/>
+                <a:tint val="94000"/>
+              </a:schemeClr>
+            </a:gs>
+            <a:gs pos="50000">
+              <a:schemeClr val="phClr">
+                <a:satMod val="110000"/>
+                <a:lumMod val="100000"/>
+                <a:shade val="100000"/>
+              </a:schemeClr>
+            </a:gs>
+            <a:gs pos="100000">
+              <a:schemeClr val="phClr">
+                <a:lumMod val="99000"/>
+                <a:satMod val="120000"/>
+                <a:shade val="78000"/>
+              </a:schemeClr>
+            </a:gs>
+          </a:gsLst>
+          <a:lin ang="5400000" scaled="0"/>
+        </a:gradFill>
+      </a:fillStyleLst>
+      <a:lnStyleLst>
+        <a:ln w="6350" cap="flat" cmpd="sng" algn="ctr">
+          <a:solidFill>
+            <a:schemeClr val="phClr"/>
+          </a:solidFill>
+          <a:prstDash val="solid"/>
+          <a:miter lim="800000"/>
+        </a:ln>
+        <a:ln w="12700" cap="flat" cmpd="sng" algn="ctr">
+          <a:solidFill>
+            <a:schemeClr val="phClr"/>
+          </a:solidFill>
+          <a:prstDash val="solid"/>
+          <a:miter lim="800000"/>
+        </a:ln>
+        <a:ln w="19050" cap="flat" cmpd="sng" algn="ctr">
+          <a:solidFill>
+            <a:schemeClr val="phClr"/>
+          </a:solidFill>
+          <a:prstDash val="solid"/>
+          <a:miter lim="800000"/>
+        </a:ln>
+      </a:lnStyleLst>
+      <a:effectStyleLst>
+        <a:effectStyle>
+          <a:effectLst/>
+        </a:effectStyle>
+        <a:effectStyle>
+          <a:effectLst/>
+        </a:effectStyle>
+        <a:effectStyle>
+          <a:effectLst>
+            <a:outerShdw blurRad="57150" dist="19050" dir="5400000" algn="ctr" rotWithShape="0">
+              <a:srgbClr val="000000">
+                <a:alpha val="63000"/>
+              </a:srgbClr>
+            </a:outerShdw>
+          </a:effectLst>
+        </a:effectStyle>
+      </a:effectStyleLst>
+      <a:bgFillStyleLst>
+        <a:solidFill>
+          <a:schemeClr val="phClr"/>
+        </a:solidFill>
+        <a:solidFill>
+          <a:schemeClr val="phClr">
+            <a:tint val="95000"/>
+            <a:satMod val="170000"/>
+          </a:schemeClr>
+        </a:solidFill>
+        <a:gradFill rotWithShape="1">
+          <a:gsLst>
+            <a:gs pos="0">
+              <a:schemeClr val="phClr">
+                <a:tint val="93000"/>
+                <a:satMod val="150000"/>
+                <a:shade val="98000"/>
+                <a:lumMod val="102000"/>
+              </a:schemeClr>
+            </a:gs>
+            <a:gs pos="50000">
+              <a:schemeClr val="phClr">
+                <a:tint val="98000"/>
+                <a:satMod val="130000"/>
+                <a:shade val="90000"/>
+                <a:lumMod val="103000"/>
+              </a:schemeClr>
+            </a:gs>
+            <a:gs pos="100000">
+              <a:schemeClr val="phClr">
+                <a:shade val="63000"/>
+                <a:satMod val="120000"/>
+              </a:schemeClr>
+            </a:gs>
+          </a:gsLst>
+          <a:lin ang="5400000" scaled="0"/>
+        </a:gradFill>
+      </a:bgFillStyleLst>
+    </a:fmtScheme>
+  </a:themeElements>
+  <a:objectDefaults/>
+  <a:extraClrSchemeLst/>
+  <a:extLst>
+    <a:ext uri="{05A4C25C-085E-4340-85A3-A5531E510DB2}">
+      <thm15:themeFamily xmlns:thm15="http://schemas.microsoft.com/office/thememl/2012/main" name="Office Theme" id="{62F939B6-93AF-4DB8-9C6B-D6C7DFDC589F}" vid="{4A3C46E8-61CC-4603-A589-7422A47A8E4A}"/>
+    </a:ext>
+  </a:extLst>
+</a:theme>
 </file>